--- a/Documentos/Presentación 23 de Noviembre de 2020.pptx
+++ b/Documentos/Presentación 23 de Noviembre de 2020.pptx
@@ -5,7 +5,7 @@
     <p:sldMasterId id="2147483660" r:id="rId1"/>
   </p:sldMasterIdLst>
   <p:notesMasterIdLst>
-    <p:notesMasterId r:id="rId15"/>
+    <p:notesMasterId r:id="rId18"/>
   </p:notesMasterIdLst>
   <p:sldIdLst>
     <p:sldId id="256" r:id="rId2"/>
@@ -17,10 +17,13 @@
     <p:sldId id="341" r:id="rId8"/>
     <p:sldId id="350" r:id="rId9"/>
     <p:sldId id="342" r:id="rId10"/>
-    <p:sldId id="354" r:id="rId11"/>
-    <p:sldId id="351" r:id="rId12"/>
-    <p:sldId id="352" r:id="rId13"/>
-    <p:sldId id="353" r:id="rId14"/>
+    <p:sldId id="257" r:id="rId11"/>
+    <p:sldId id="347" r:id="rId12"/>
+    <p:sldId id="354" r:id="rId13"/>
+    <p:sldId id="351" r:id="rId14"/>
+    <p:sldId id="352" r:id="rId15"/>
+    <p:sldId id="353" r:id="rId16"/>
+    <p:sldId id="258" r:id="rId17"/>
   </p:sldIdLst>
   <p:sldSz cx="12192000" cy="6858000"/>
   <p:notesSz cx="6858000" cy="9144000"/>
@@ -209,7 +212,7 @@
           <a:p>
             <a:fld id="{D42B63A8-CA22-F249-8B11-75777F973014}" type="datetimeFigureOut">
               <a:rPr lang="es-ES_tradnl" smtClean="0"/>
-              <a:t>23/11/2020</a:t>
+              <a:t>24/11/20</a:t>
             </a:fld>
             <a:endParaRPr lang="es-ES_tradnl"/>
           </a:p>
@@ -770,7 +773,7 @@
           <a:p>
             <a:fld id="{385B4EE3-1E68-8D48-A803-DEA9E3095647}" type="slidenum">
               <a:rPr lang="es-ES_tradnl" smtClean="0"/>
-              <a:t>10</a:t>
+              <a:t>12</a:t>
             </a:fld>
             <a:endParaRPr lang="es-ES_tradnl"/>
           </a:p>
@@ -854,7 +857,7 @@
           <a:p>
             <a:fld id="{385B4EE3-1E68-8D48-A803-DEA9E3095647}" type="slidenum">
               <a:rPr lang="es-ES_tradnl" smtClean="0"/>
-              <a:t>11</a:t>
+              <a:t>13</a:t>
             </a:fld>
             <a:endParaRPr lang="es-ES_tradnl"/>
           </a:p>
@@ -938,7 +941,7 @@
           <a:p>
             <a:fld id="{385B4EE3-1E68-8D48-A803-DEA9E3095647}" type="slidenum">
               <a:rPr lang="es-ES_tradnl" smtClean="0"/>
-              <a:t>12</a:t>
+              <a:t>14</a:t>
             </a:fld>
             <a:endParaRPr lang="es-ES_tradnl"/>
           </a:p>
@@ -1022,7 +1025,7 @@
           <a:p>
             <a:fld id="{385B4EE3-1E68-8D48-A803-DEA9E3095647}" type="slidenum">
               <a:rPr lang="es-ES_tradnl" smtClean="0"/>
-              <a:t>13</a:t>
+              <a:t>15</a:t>
             </a:fld>
             <a:endParaRPr lang="es-ES_tradnl"/>
           </a:p>
@@ -1916,7 +1919,7 @@
           <a:p>
             <a:fld id="{6C5AE33D-32CE-4125-A2FD-63556E695E13}" type="datetimeFigureOut">
               <a:rPr lang="es-CO" smtClean="0"/>
-              <a:t>23/11/2020</a:t>
+              <a:t>24/11/20</a:t>
             </a:fld>
             <a:endParaRPr lang="es-CO"/>
           </a:p>
@@ -2541,6 +2544,836 @@
           <a:chExt cx="0" cy="0"/>
         </a:xfrm>
       </p:grpSpPr>
+      <p:sp>
+        <p:nvSpPr>
+          <p:cNvPr id="2" name="1 Título"/>
+          <p:cNvSpPr>
+            <a:spLocks noGrp="1"/>
+          </p:cNvSpPr>
+          <p:nvPr>
+            <p:ph type="title"/>
+          </p:nvPr>
+        </p:nvSpPr>
+        <p:spPr>
+          <a:xfrm>
+            <a:off x="631765" y="427705"/>
+            <a:ext cx="5832648" cy="1354162"/>
+          </a:xfrm>
+        </p:spPr>
+        <p:txBody>
+          <a:bodyPr>
+            <a:normAutofit/>
+          </a:bodyPr>
+          <a:lstStyle/>
+          <a:p>
+            <a:pPr algn="l"/>
+            <a:r>
+              <a:rPr lang="en-GB" sz="3600" b="1" dirty="0">
+                <a:latin typeface="Century Gothic" panose="020B0502020202020204" pitchFamily="34" charset="0"/>
+              </a:rPr>
+              <a:t>Approaches to defining productivity behaviour:</a:t>
+            </a:r>
+          </a:p>
+        </p:txBody>
+      </p:sp>
+      <mc:AlternateContent xmlns:mc="http://schemas.openxmlformats.org/markup-compatibility/2006">
+        <mc:Choice xmlns:a14="http://schemas.microsoft.com/office/drawing/2010/main" Requires="a14">
+          <p:sp>
+            <p:nvSpPr>
+              <p:cNvPr id="3" name="2 Marcador de contenido"/>
+              <p:cNvSpPr>
+                <a:spLocks noGrp="1"/>
+              </p:cNvSpPr>
+              <p:nvPr>
+                <p:ph idx="1"/>
+              </p:nvPr>
+            </p:nvSpPr>
+            <p:spPr>
+              <a:xfrm>
+                <a:off x="336884" y="1864782"/>
+                <a:ext cx="11261558" cy="4030692"/>
+              </a:xfrm>
+            </p:spPr>
+            <p:txBody>
+              <a:bodyPr>
+                <a:normAutofit fontScale="85000" lnSpcReduction="20000"/>
+              </a:bodyPr>
+              <a:lstStyle/>
+              <a:p>
+                <a:pPr marL="514350" indent="-514350" algn="just">
+                  <a:buFont typeface="Arial" panose="020B0604020202020204" pitchFamily="34" charset="0"/>
+                  <a:buAutoNum type="arabicPeriod"/>
+                </a:pPr>
+                <a:r>
+                  <a:rPr lang="es-CO" sz="2600" dirty="0">
+                    <a:latin typeface="Century Gothic" panose="020B0502020202020204" pitchFamily="34" charset="0"/>
+                  </a:rPr>
+                  <a:t>To think of productivity as the average product of each of the factors of production, labor, and capital, and its variation as the result of changes in each of the variables that make up the relationship (see Felipe &amp; Kumar (2010) ):</a:t>
+                </a:r>
+              </a:p>
+              <a:p>
+                <a:pPr marL="0" indent="0">
+                  <a:buNone/>
+                </a:pPr>
+                <a:endParaRPr lang="es-CO" sz="2600" dirty="0">
+                  <a:latin typeface="Century Gothic" panose="020B0502020202020204" pitchFamily="34" charset="0"/>
+                </a:endParaRPr>
+              </a:p>
+              <a:p>
+                <a:pPr marL="0" indent="0">
+                  <a:buNone/>
+                </a:pPr>
+                <a:r>
+                  <a:rPr lang="es-ES" sz="2600" dirty="0">
+                    <a:latin typeface="Century Gothic" panose="020B0502020202020204" pitchFamily="34" charset="0"/>
+                  </a:rPr>
+                  <a:t>	Labor productivity </a:t>
+                </a:r>
+                <a14:m>
+                  <m:oMath xmlns:m="http://schemas.openxmlformats.org/officeDocument/2006/math">
+                    <m:r>
+                      <a:rPr lang="es-ES" sz="2600">
+                        <a:latin typeface="Cambria Math" panose="02040503050406030204" pitchFamily="18" charset="0"/>
+                      </a:rPr>
+                      <m:t>                     </m:t>
+                    </m:r>
+                    <m:r>
+                      <a:rPr lang="es-ES" sz="2600" i="1">
+                        <a:latin typeface="Cambria Math" panose="02040503050406030204" pitchFamily="18" charset="0"/>
+                      </a:rPr>
+                      <m:t>𝑎</m:t>
+                    </m:r>
+                    <m:r>
+                      <a:rPr lang="es-ES" sz="2600" i="1">
+                        <a:latin typeface="Cambria Math" panose="02040503050406030204" pitchFamily="18" charset="0"/>
+                      </a:rPr>
+                      <m:t>=</m:t>
+                    </m:r>
+                    <m:f>
+                      <m:fPr>
+                        <m:ctrlPr>
+                          <a:rPr lang="es-ES" sz="2600" i="1">
+                            <a:latin typeface="Cambria Math" panose="02040503050406030204" pitchFamily="18" charset="0"/>
+                          </a:rPr>
+                        </m:ctrlPr>
+                      </m:fPr>
+                      <m:num>
+                        <m:sSup>
+                          <m:sSupPr>
+                            <m:ctrlPr>
+                              <a:rPr lang="es-ES" sz="2600" i="1">
+                                <a:latin typeface="Cambria Math" panose="02040503050406030204" pitchFamily="18" charset="0"/>
+                              </a:rPr>
+                            </m:ctrlPr>
+                          </m:sSupPr>
+                          <m:e>
+                            <m:r>
+                              <a:rPr lang="es-ES" sz="2600" i="1">
+                                <a:latin typeface="Cambria Math" panose="02040503050406030204" pitchFamily="18" charset="0"/>
+                              </a:rPr>
+                              <m:t>𝑌</m:t>
+                            </m:r>
+                          </m:e>
+                          <m:sup>
+                            <m:r>
+                              <a:rPr lang="es-ES" sz="2600" i="1">
+                                <a:latin typeface="Cambria Math" panose="02040503050406030204" pitchFamily="18" charset="0"/>
+                              </a:rPr>
+                              <m:t>𝐷</m:t>
+                            </m:r>
+                          </m:sup>
+                        </m:sSup>
+                      </m:num>
+                      <m:den>
+                        <m:r>
+                          <a:rPr lang="es-ES" sz="2600" i="1">
+                            <a:latin typeface="Cambria Math" panose="02040503050406030204" pitchFamily="18" charset="0"/>
+                          </a:rPr>
+                          <m:t>𝐿</m:t>
+                        </m:r>
+                      </m:den>
+                    </m:f>
+                    <m:r>
+                      <a:rPr lang="es-ES" sz="2600" b="0" i="1" smtClean="0">
+                        <a:latin typeface="Cambria Math" panose="02040503050406030204" pitchFamily="18" charset="0"/>
+                      </a:rPr>
+                      <m:t>=¿?</m:t>
+                    </m:r>
+                  </m:oMath>
+                </a14:m>
+                <a:endParaRPr lang="es-CO" sz="2600" dirty="0">
+                  <a:latin typeface="Century Gothic" panose="020B0502020202020204" pitchFamily="34" charset="0"/>
+                </a:endParaRPr>
+              </a:p>
+              <a:p>
+                <a:pPr marL="0" indent="0">
+                  <a:buNone/>
+                </a:pPr>
+                <a:endParaRPr lang="es-CO" sz="2600" dirty="0">
+                  <a:latin typeface="Century Gothic" panose="020B0502020202020204" pitchFamily="34" charset="0"/>
+                </a:endParaRPr>
+              </a:p>
+              <a:p>
+                <a:pPr marL="0" indent="0">
+                  <a:buNone/>
+                </a:pPr>
+                <a:r>
+                  <a:rPr lang="es-ES" sz="2600" dirty="0">
+                    <a:latin typeface="Century Gothic" panose="020B0502020202020204" pitchFamily="34" charset="0"/>
+                  </a:rPr>
+                  <a:t>	Capital productivity </a:t>
+                </a:r>
+                <a14:m>
+                  <m:oMath xmlns:m="http://schemas.openxmlformats.org/officeDocument/2006/math">
+                    <m:r>
+                      <a:rPr lang="es-ES" sz="2600">
+                        <a:latin typeface="Cambria Math" panose="02040503050406030204" pitchFamily="18" charset="0"/>
+                      </a:rPr>
+                      <m:t>                     </m:t>
+                    </m:r>
+                    <m:r>
+                      <a:rPr lang="es-ES" sz="2600" i="1">
+                        <a:latin typeface="Cambria Math" panose="02040503050406030204" pitchFamily="18" charset="0"/>
+                      </a:rPr>
+                      <m:t>𝑣</m:t>
+                    </m:r>
+                    <m:r>
+                      <a:rPr lang="es-ES" sz="2600" i="1">
+                        <a:latin typeface="Cambria Math" panose="02040503050406030204" pitchFamily="18" charset="0"/>
+                      </a:rPr>
+                      <m:t>=</m:t>
+                    </m:r>
+                    <m:f>
+                      <m:fPr>
+                        <m:ctrlPr>
+                          <a:rPr lang="es-ES" sz="2600" i="1">
+                            <a:latin typeface="Cambria Math" panose="02040503050406030204" pitchFamily="18" charset="0"/>
+                          </a:rPr>
+                        </m:ctrlPr>
+                      </m:fPr>
+                      <m:num>
+                        <m:sSup>
+                          <m:sSupPr>
+                            <m:ctrlPr>
+                              <a:rPr lang="es-ES" sz="2600" i="1">
+                                <a:latin typeface="Cambria Math" panose="02040503050406030204" pitchFamily="18" charset="0"/>
+                              </a:rPr>
+                            </m:ctrlPr>
+                          </m:sSupPr>
+                          <m:e>
+                            <m:r>
+                              <a:rPr lang="es-ES" sz="2600" i="1">
+                                <a:latin typeface="Cambria Math" panose="02040503050406030204" pitchFamily="18" charset="0"/>
+                              </a:rPr>
+                              <m:t>𝑌</m:t>
+                            </m:r>
+                          </m:e>
+                          <m:sup>
+                            <m:r>
+                              <a:rPr lang="es-ES" sz="2600" i="1">
+                                <a:latin typeface="Cambria Math" panose="02040503050406030204" pitchFamily="18" charset="0"/>
+                              </a:rPr>
+                              <m:t>𝐷</m:t>
+                            </m:r>
+                          </m:sup>
+                        </m:sSup>
+                      </m:num>
+                      <m:den>
+                        <m:r>
+                          <a:rPr lang="es-ES" sz="2600" i="1">
+                            <a:latin typeface="Cambria Math" panose="02040503050406030204" pitchFamily="18" charset="0"/>
+                          </a:rPr>
+                          <m:t>𝐾</m:t>
+                        </m:r>
+                      </m:den>
+                    </m:f>
+                    <m:r>
+                      <a:rPr lang="es-ES" sz="2600" b="0" i="0" smtClean="0">
+                        <a:latin typeface="Cambria Math" panose="02040503050406030204" pitchFamily="18" charset="0"/>
+                      </a:rPr>
+                      <m:t>=¿?</m:t>
+                    </m:r>
+                  </m:oMath>
+                </a14:m>
+                <a:endParaRPr lang="es-CO" sz="2600" dirty="0">
+                  <a:latin typeface="Century Gothic" panose="020B0502020202020204" pitchFamily="34" charset="0"/>
+                </a:endParaRPr>
+              </a:p>
+              <a:p>
+                <a:pPr marL="0" indent="0">
+                  <a:buNone/>
+                </a:pPr>
+                <a:endParaRPr lang="es-CO" sz="2600" dirty="0">
+                  <a:latin typeface="Century Gothic" panose="020B0502020202020204" pitchFamily="34" charset="0"/>
+                </a:endParaRPr>
+              </a:p>
+              <a:p>
+                <a:pPr marL="0" indent="0" algn="just">
+                  <a:buNone/>
+                </a:pPr>
+                <a:r>
+                  <a:rPr lang="es-CO" sz="2600" dirty="0">
+                    <a:latin typeface="Century Gothic" panose="020B0502020202020204" pitchFamily="34" charset="0"/>
+                  </a:rPr>
+                  <a:t>Several works adopt this methodology,  particularly to analyze problems of distributive justice: Ossa(2018), Moreno Serna &amp; Pulido (2012).</a:t>
+                </a:r>
+              </a:p>
+              <a:p>
+                <a:pPr marL="0" indent="0">
+                  <a:buNone/>
+                </a:pPr>
+                <a:endParaRPr lang="es-CO" sz="2600" dirty="0"/>
+              </a:p>
+            </p:txBody>
+          </p:sp>
+        </mc:Choice>
+        <mc:Fallback>
+          <p:sp>
+            <p:nvSpPr>
+              <p:cNvPr id="3" name="2 Marcador de contenido"/>
+              <p:cNvSpPr>
+                <a:spLocks noGrp="1" noRot="1" noChangeAspect="1" noMove="1" noResize="1" noEditPoints="1" noAdjustHandles="1" noChangeArrowheads="1" noChangeShapeType="1" noTextEdit="1"/>
+              </p:cNvSpPr>
+              <p:nvPr>
+                <p:ph idx="1"/>
+              </p:nvPr>
+            </p:nvSpPr>
+            <p:spPr>
+              <a:xfrm>
+                <a:off x="336884" y="1864782"/>
+                <a:ext cx="11261558" cy="4030692"/>
+              </a:xfrm>
+              <a:blipFill>
+                <a:blip r:embed="rId2"/>
+                <a:stretch>
+                  <a:fillRect l="-676" t="-2821" r="-676"/>
+                </a:stretch>
+              </a:blipFill>
+            </p:spPr>
+            <p:txBody>
+              <a:bodyPr/>
+              <a:lstStyle/>
+              <a:p>
+                <a:r>
+                  <a:rPr lang="es-CO">
+                    <a:noFill/>
+                  </a:rPr>
+                  <a:t> </a:t>
+                </a:r>
+              </a:p>
+            </p:txBody>
+          </p:sp>
+        </mc:Fallback>
+      </mc:AlternateContent>
+    </p:spTree>
+    <p:extLst>
+      <p:ext uri="{BB962C8B-B14F-4D97-AF65-F5344CB8AC3E}">
+        <p14:creationId xmlns:p14="http://schemas.microsoft.com/office/powerpoint/2010/main" val="1034387367"/>
+      </p:ext>
+    </p:extLst>
+  </p:cSld>
+  <p:clrMapOvr>
+    <a:masterClrMapping/>
+  </p:clrMapOvr>
+</p:sld>
+</file>
+
+<file path=ppt/slides/slide11.xml><?xml version="1.0" encoding="utf-8"?>
+<p:sld xmlns:a="http://schemas.openxmlformats.org/drawingml/2006/main" xmlns:r="http://schemas.openxmlformats.org/officeDocument/2006/relationships" xmlns:p="http://schemas.openxmlformats.org/presentationml/2006/main">
+  <p:cSld>
+    <p:spTree>
+      <p:nvGrpSpPr>
+        <p:cNvPr id="1" name=""/>
+        <p:cNvGrpSpPr/>
+        <p:nvPr/>
+      </p:nvGrpSpPr>
+      <p:grpSpPr>
+        <a:xfrm>
+          <a:off x="0" y="0"/>
+          <a:ext cx="0" cy="0"/>
+          <a:chOff x="0" y="0"/>
+          <a:chExt cx="0" cy="0"/>
+        </a:xfrm>
+      </p:grpSpPr>
+      <p:sp>
+        <p:nvSpPr>
+          <p:cNvPr id="2" name="1 Título"/>
+          <p:cNvSpPr>
+            <a:spLocks noGrp="1"/>
+          </p:cNvSpPr>
+          <p:nvPr>
+            <p:ph type="title"/>
+          </p:nvPr>
+        </p:nvSpPr>
+        <p:spPr>
+          <a:xfrm>
+            <a:off x="372979" y="476672"/>
+            <a:ext cx="7378813" cy="1364160"/>
+          </a:xfrm>
+        </p:spPr>
+        <p:txBody>
+          <a:bodyPr>
+            <a:normAutofit/>
+          </a:bodyPr>
+          <a:lstStyle/>
+          <a:p>
+            <a:pPr algn="l"/>
+            <a:r>
+              <a:rPr lang="en-GB" sz="3600" b="1" dirty="0">
+                <a:latin typeface="Century Gothic" panose="020B0502020202020204" pitchFamily="34" charset="0"/>
+              </a:rPr>
+              <a:t>Approaches to defining productivity behaviour:</a:t>
+            </a:r>
+          </a:p>
+        </p:txBody>
+      </p:sp>
+      <mc:AlternateContent xmlns:mc="http://schemas.openxmlformats.org/markup-compatibility/2006">
+        <mc:Choice xmlns:a14="http://schemas.microsoft.com/office/drawing/2010/main" Requires="a14">
+          <p:sp>
+            <p:nvSpPr>
+              <p:cNvPr id="3" name="2 Marcador de contenido"/>
+              <p:cNvSpPr>
+                <a:spLocks noGrp="1"/>
+              </p:cNvSpPr>
+              <p:nvPr>
+                <p:ph idx="1"/>
+              </p:nvPr>
+            </p:nvSpPr>
+            <p:spPr>
+              <a:xfrm>
+                <a:off x="541421" y="1864782"/>
+                <a:ext cx="10924674" cy="3898344"/>
+              </a:xfrm>
+            </p:spPr>
+            <p:txBody>
+              <a:bodyPr>
+                <a:normAutofit fontScale="85000" lnSpcReduction="20000"/>
+              </a:bodyPr>
+              <a:lstStyle/>
+              <a:p>
+                <a:pPr marL="0" indent="0" algn="just">
+                  <a:buNone/>
+                </a:pPr>
+                <a:r>
+                  <a:rPr lang="es-CO" sz="2600" dirty="0">
+                    <a:latin typeface="Century Gothic" panose="020B0502020202020204" pitchFamily="34" charset="0"/>
+                  </a:rPr>
+                  <a:t>2. </a:t>
+                </a:r>
+                <a:r>
+                  <a:rPr lang="es-CO" sz="2400" dirty="0">
+                    <a:latin typeface="Century Gothic" panose="020B0502020202020204" pitchFamily="34" charset="0"/>
+                  </a:rPr>
+                  <a:t>Understand the variation of the average product of each of the production factors as a variable dependent on other endogenous variables. To do this, we must start by adapting Kaldor's proposals, as well as including elements that directly link the productivity of both capital and labor with the productive structure and the public investment.</a:t>
+                </a:r>
+              </a:p>
+              <a:p>
+                <a:pPr marL="0" indent="0">
+                  <a:buNone/>
+                </a:pPr>
+                <a:endParaRPr lang="es-CO" sz="2400" dirty="0">
+                  <a:latin typeface="Century Gothic" panose="020B0502020202020204" pitchFamily="34" charset="0"/>
+                </a:endParaRPr>
+              </a:p>
+              <a:p>
+                <a:pPr marL="0" indent="0">
+                  <a:buNone/>
+                </a:pPr>
+                <a:r>
+                  <a:rPr lang="es-CO" sz="2400" dirty="0">
+                    <a:latin typeface="Century Gothic" panose="020B0502020202020204" pitchFamily="34" charset="0"/>
+                  </a:rPr>
+                  <a:t>Change in capital productivity   </a:t>
+                </a:r>
+                <a14:m>
+                  <m:oMath xmlns:m="http://schemas.openxmlformats.org/officeDocument/2006/math">
+                    <m:sSub>
+                      <m:sSubPr>
+                        <m:ctrlPr>
+                          <a:rPr lang="es-CO" sz="2400" i="1">
+                            <a:latin typeface="Cambria Math" panose="02040503050406030204" pitchFamily="18" charset="0"/>
+                          </a:rPr>
+                        </m:ctrlPr>
+                      </m:sSubPr>
+                      <m:e>
+                        <m:r>
+                          <a:rPr lang="es-ES" sz="2400" i="1">
+                            <a:latin typeface="Cambria Math" panose="02040503050406030204" pitchFamily="18" charset="0"/>
+                          </a:rPr>
+                          <m:t>𝛼</m:t>
+                        </m:r>
+                      </m:e>
+                      <m:sub>
+                        <m:r>
+                          <a:rPr lang="es-ES" sz="2400" i="1">
+                            <a:latin typeface="Cambria Math" panose="02040503050406030204" pitchFamily="18" charset="0"/>
+                          </a:rPr>
+                          <m:t>𝑣</m:t>
+                        </m:r>
+                      </m:sub>
+                    </m:sSub>
+                    <m:r>
+                      <a:rPr lang="es-ES" sz="2400" i="1">
+                        <a:latin typeface="Cambria Math" panose="02040503050406030204" pitchFamily="18" charset="0"/>
+                      </a:rPr>
+                      <m:t>=</m:t>
+                    </m:r>
+                    <m:sSub>
+                      <m:sSubPr>
+                        <m:ctrlPr>
+                          <a:rPr lang="es-CO" sz="2400" i="1">
+                            <a:latin typeface="Cambria Math" panose="02040503050406030204" pitchFamily="18" charset="0"/>
+                          </a:rPr>
+                        </m:ctrlPr>
+                      </m:sSubPr>
+                      <m:e>
+                        <m:r>
+                          <a:rPr lang="es-ES" sz="2400" i="1">
+                            <a:latin typeface="Cambria Math" panose="02040503050406030204" pitchFamily="18" charset="0"/>
+                          </a:rPr>
+                          <m:t>𝛼</m:t>
+                        </m:r>
+                      </m:e>
+                      <m:sub>
+                        <m:r>
+                          <a:rPr lang="es-ES" sz="2400" i="1">
+                            <a:latin typeface="Cambria Math" panose="02040503050406030204" pitchFamily="18" charset="0"/>
+                          </a:rPr>
+                          <m:t>1</m:t>
+                        </m:r>
+                      </m:sub>
+                    </m:sSub>
+                    <m:r>
+                      <a:rPr lang="es-ES" sz="2400" i="1">
+                        <a:latin typeface="Cambria Math" panose="02040503050406030204" pitchFamily="18" charset="0"/>
+                      </a:rPr>
+                      <m:t> </m:t>
+                    </m:r>
+                    <m:sSub>
+                      <m:sSubPr>
+                        <m:ctrlPr>
+                          <a:rPr lang="es-CO" sz="2400" i="1">
+                            <a:latin typeface="Cambria Math" panose="02040503050406030204" pitchFamily="18" charset="0"/>
+                          </a:rPr>
+                        </m:ctrlPr>
+                      </m:sSubPr>
+                      <m:e>
+                        <m:r>
+                          <a:rPr lang="es-ES" sz="2400" b="0" i="1" smtClean="0">
+                            <a:latin typeface="Cambria Math" panose="02040503050406030204" pitchFamily="18" charset="0"/>
+                          </a:rPr>
+                          <m:t>+ </m:t>
+                        </m:r>
+                        <m:r>
+                          <a:rPr lang="es-ES" sz="2400" i="1">
+                            <a:latin typeface="Cambria Math" panose="02040503050406030204" pitchFamily="18" charset="0"/>
+                          </a:rPr>
+                          <m:t>𝛼</m:t>
+                        </m:r>
+                      </m:e>
+                      <m:sub>
+                        <m:r>
+                          <a:rPr lang="es-ES" sz="2400" i="1">
+                            <a:latin typeface="Cambria Math" panose="02040503050406030204" pitchFamily="18" charset="0"/>
+                          </a:rPr>
+                          <m:t>3</m:t>
+                        </m:r>
+                      </m:sub>
+                    </m:sSub>
+                    <m:acc>
+                      <m:accPr>
+                        <m:chr m:val="̇"/>
+                        <m:ctrlPr>
+                          <a:rPr lang="es-CO" sz="2400" i="1">
+                            <a:latin typeface="Cambria Math" panose="02040503050406030204" pitchFamily="18" charset="0"/>
+                          </a:rPr>
+                        </m:ctrlPr>
+                      </m:accPr>
+                      <m:e>
+                        <m:sSub>
+                          <m:sSubPr>
+                            <m:ctrlPr>
+                              <a:rPr lang="es-ES" sz="2400" b="0" i="1" smtClean="0">
+                                <a:latin typeface="Cambria Math" panose="02040503050406030204" pitchFamily="18" charset="0"/>
+                              </a:rPr>
+                            </m:ctrlPr>
+                          </m:sSubPr>
+                          <m:e>
+                            <m:r>
+                              <a:rPr lang="es-ES" sz="2400" b="0" i="1" smtClean="0">
+                                <a:latin typeface="Cambria Math" panose="02040503050406030204" pitchFamily="18" charset="0"/>
+                              </a:rPr>
+                              <m:t>𝐾</m:t>
+                            </m:r>
+                          </m:e>
+                          <m:sub>
+                            <m:r>
+                              <a:rPr lang="es-ES" sz="2400" b="0" i="1" smtClean="0">
+                                <a:latin typeface="Cambria Math" panose="02040503050406030204" pitchFamily="18" charset="0"/>
+                              </a:rPr>
+                              <m:t>𝐺</m:t>
+                            </m:r>
+                          </m:sub>
+                        </m:sSub>
+                      </m:e>
+                    </m:acc>
+                  </m:oMath>
+                </a14:m>
+                <a:endParaRPr lang="es-CO" sz="2400" dirty="0">
+                  <a:latin typeface="Century Gothic" panose="020B0502020202020204" pitchFamily="34" charset="0"/>
+                </a:endParaRPr>
+              </a:p>
+              <a:p>
+                <a:pPr marL="0" indent="0">
+                  <a:buNone/>
+                </a:pPr>
+                <a:endParaRPr lang="es-CO" sz="2400" dirty="0">
+                  <a:latin typeface="Century Gothic" panose="020B0502020202020204" pitchFamily="34" charset="0"/>
+                </a:endParaRPr>
+              </a:p>
+              <a:p>
+                <a:pPr marL="0" indent="0">
+                  <a:buNone/>
+                </a:pPr>
+                <a:r>
+                  <a:rPr lang="es-CO" sz="2400" dirty="0">
+                    <a:latin typeface="Century Gothic" panose="020B0502020202020204" pitchFamily="34" charset="0"/>
+                  </a:rPr>
+                  <a:t>Change in labor productivity</a:t>
+                </a:r>
+                <a14:m>
+                  <m:oMath xmlns:m="http://schemas.openxmlformats.org/officeDocument/2006/math">
+                    <m:sSub>
+                      <m:sSubPr>
+                        <m:ctrlPr>
+                          <a:rPr lang="es-CO" sz="2400" i="1">
+                            <a:latin typeface="Cambria Math" panose="02040503050406030204" pitchFamily="18" charset="0"/>
+                          </a:rPr>
+                        </m:ctrlPr>
+                      </m:sSubPr>
+                      <m:e>
+                        <m:r>
+                          <a:rPr lang="es-ES" sz="2400" i="1">
+                            <a:latin typeface="Cambria Math" panose="02040503050406030204" pitchFamily="18" charset="0"/>
+                          </a:rPr>
+                          <m:t>      </m:t>
+                        </m:r>
+                        <m:r>
+                          <a:rPr lang="es-ES" sz="2400" i="1">
+                            <a:latin typeface="Cambria Math" panose="02040503050406030204" pitchFamily="18" charset="0"/>
+                          </a:rPr>
+                          <m:t>𝛼</m:t>
+                        </m:r>
+                      </m:e>
+                      <m:sub>
+                        <m:r>
+                          <a:rPr lang="es-ES" sz="2400" i="1">
+                            <a:latin typeface="Cambria Math" panose="02040503050406030204" pitchFamily="18" charset="0"/>
+                          </a:rPr>
+                          <m:t>𝑎</m:t>
+                        </m:r>
+                      </m:sub>
+                    </m:sSub>
+                    <m:r>
+                      <a:rPr lang="es-ES" sz="2400" i="1">
+                        <a:latin typeface="Cambria Math" panose="02040503050406030204" pitchFamily="18" charset="0"/>
+                      </a:rPr>
+                      <m:t>=</m:t>
+                    </m:r>
+                    <m:sSub>
+                      <m:sSubPr>
+                        <m:ctrlPr>
+                          <a:rPr lang="es-CO" sz="2400" i="1">
+                            <a:latin typeface="Cambria Math" panose="02040503050406030204" pitchFamily="18" charset="0"/>
+                          </a:rPr>
+                        </m:ctrlPr>
+                      </m:sSubPr>
+                      <m:e>
+                        <m:r>
+                          <a:rPr lang="es-ES" sz="2400" i="1">
+                            <a:latin typeface="Cambria Math" panose="02040503050406030204" pitchFamily="18" charset="0"/>
+                          </a:rPr>
+                          <m:t>𝛼</m:t>
+                        </m:r>
+                      </m:e>
+                      <m:sub>
+                        <m:r>
+                          <a:rPr lang="es-ES" sz="2400" i="1">
+                            <a:latin typeface="Cambria Math" panose="02040503050406030204" pitchFamily="18" charset="0"/>
+                          </a:rPr>
+                          <m:t>1</m:t>
+                        </m:r>
+                      </m:sub>
+                    </m:sSub>
+                    <m:r>
+                      <a:rPr lang="es-ES" sz="2400" i="1">
+                        <a:latin typeface="Cambria Math" panose="02040503050406030204" pitchFamily="18" charset="0"/>
+                      </a:rPr>
+                      <m:t>+ </m:t>
+                    </m:r>
+                    <m:sSub>
+                      <m:sSubPr>
+                        <m:ctrlPr>
+                          <a:rPr lang="es-CO" sz="2400" i="1">
+                            <a:latin typeface="Cambria Math" panose="02040503050406030204" pitchFamily="18" charset="0"/>
+                          </a:rPr>
+                        </m:ctrlPr>
+                      </m:sSubPr>
+                      <m:e>
+                        <m:r>
+                          <a:rPr lang="es-ES" sz="2400" i="1">
+                            <a:latin typeface="Cambria Math" panose="02040503050406030204" pitchFamily="18" charset="0"/>
+                          </a:rPr>
+                          <m:t>𝛼</m:t>
+                        </m:r>
+                      </m:e>
+                      <m:sub>
+                        <m:r>
+                          <a:rPr lang="es-ES" sz="2400" i="1">
+                            <a:latin typeface="Cambria Math" panose="02040503050406030204" pitchFamily="18" charset="0"/>
+                          </a:rPr>
+                          <m:t>3</m:t>
+                        </m:r>
+                      </m:sub>
+                    </m:sSub>
+                    <m:r>
+                      <a:rPr lang="es-ES" sz="2400" i="1">
+                        <a:latin typeface="Cambria Math" panose="02040503050406030204" pitchFamily="18" charset="0"/>
+                      </a:rPr>
+                      <m:t> </m:t>
+                    </m:r>
+                    <m:acc>
+                      <m:accPr>
+                        <m:chr m:val="̇"/>
+                        <m:ctrlPr>
+                          <a:rPr lang="es-CO" sz="2400" i="1">
+                            <a:latin typeface="Cambria Math" panose="02040503050406030204" pitchFamily="18" charset="0"/>
+                          </a:rPr>
+                        </m:ctrlPr>
+                      </m:accPr>
+                      <m:e>
+                        <m:r>
+                          <a:rPr lang="es-ES" sz="2400" i="1">
+                            <a:latin typeface="Cambria Math" panose="02040503050406030204" pitchFamily="18" charset="0"/>
+                          </a:rPr>
+                          <m:t>𝑌</m:t>
+                        </m:r>
+                      </m:e>
+                    </m:acc>
+                  </m:oMath>
+                </a14:m>
+                <a:endParaRPr lang="es-CO" sz="2400" dirty="0">
+                  <a:latin typeface="Century Gothic" panose="020B0502020202020204" pitchFamily="34" charset="0"/>
+                </a:endParaRPr>
+              </a:p>
+              <a:p>
+                <a:pPr marL="0" indent="0">
+                  <a:buNone/>
+                </a:pPr>
+                <a:endParaRPr lang="es-CO" sz="2400" dirty="0">
+                  <a:latin typeface="Century Gothic" panose="020B0502020202020204" pitchFamily="34" charset="0"/>
+                </a:endParaRPr>
+              </a:p>
+              <a:p>
+                <a:pPr marL="0" indent="0">
+                  <a:buNone/>
+                </a:pPr>
+                <a:r>
+                  <a:rPr lang="es-CO" sz="2400" dirty="0">
+                    <a:latin typeface="Century Gothic" panose="020B0502020202020204" pitchFamily="34" charset="0"/>
+                  </a:rPr>
+                  <a:t>In this regard, there are some estimates and evidence of the suitability of Kaldor's approaches for the Colombian economy: Moreno (2008) . However, given the characteristics of our model, they do not provide certainty.</a:t>
+                </a:r>
+              </a:p>
+              <a:p>
+                <a:pPr marL="0" indent="0">
+                  <a:buNone/>
+                </a:pPr>
+                <a:endParaRPr lang="es-CO" sz="2400" dirty="0"/>
+              </a:p>
+              <a:p>
+                <a:pPr marL="0" indent="0">
+                  <a:buNone/>
+                </a:pPr>
+                <a:endParaRPr lang="es-CO" dirty="0"/>
+              </a:p>
+              <a:p>
+                <a:pPr marL="0" indent="0">
+                  <a:buNone/>
+                </a:pPr>
+                <a:endParaRPr lang="es-CO" sz="2600" dirty="0"/>
+              </a:p>
+            </p:txBody>
+          </p:sp>
+        </mc:Choice>
+        <mc:Fallback>
+          <p:sp>
+            <p:nvSpPr>
+              <p:cNvPr id="3" name="2 Marcador de contenido"/>
+              <p:cNvSpPr>
+                <a:spLocks noGrp="1" noRot="1" noChangeAspect="1" noMove="1" noResize="1" noEditPoints="1" noAdjustHandles="1" noChangeArrowheads="1" noChangeShapeType="1" noTextEdit="1"/>
+              </p:cNvSpPr>
+              <p:nvPr>
+                <p:ph idx="1"/>
+              </p:nvPr>
+            </p:nvSpPr>
+            <p:spPr>
+              <a:xfrm>
+                <a:off x="541421" y="1864782"/>
+                <a:ext cx="10924674" cy="3898344"/>
+              </a:xfrm>
+              <a:blipFill>
+                <a:blip r:embed="rId2"/>
+                <a:stretch>
+                  <a:fillRect l="-697" t="-2922" r="-581"/>
+                </a:stretch>
+              </a:blipFill>
+            </p:spPr>
+            <p:txBody>
+              <a:bodyPr/>
+              <a:lstStyle/>
+              <a:p>
+                <a:r>
+                  <a:rPr lang="es-CO">
+                    <a:noFill/>
+                  </a:rPr>
+                  <a:t> </a:t>
+                </a:r>
+              </a:p>
+            </p:txBody>
+          </p:sp>
+        </mc:Fallback>
+      </mc:AlternateContent>
+    </p:spTree>
+    <p:extLst>
+      <p:ext uri="{BB962C8B-B14F-4D97-AF65-F5344CB8AC3E}">
+        <p14:creationId xmlns:p14="http://schemas.microsoft.com/office/powerpoint/2010/main" val="2192740947"/>
+      </p:ext>
+    </p:extLst>
+  </p:cSld>
+  <p:clrMapOvr>
+    <a:masterClrMapping/>
+  </p:clrMapOvr>
+</p:sld>
+</file>
+
+<file path=ppt/slides/slide12.xml><?xml version="1.0" encoding="utf-8"?>
+<p:sld xmlns:a="http://schemas.openxmlformats.org/drawingml/2006/main" xmlns:r="http://schemas.openxmlformats.org/officeDocument/2006/relationships" xmlns:p="http://schemas.openxmlformats.org/presentationml/2006/main">
+  <p:cSld>
+    <p:spTree>
+      <p:nvGrpSpPr>
+        <p:cNvPr id="1" name=""/>
+        <p:cNvGrpSpPr/>
+        <p:nvPr/>
+      </p:nvGrpSpPr>
+      <p:grpSpPr>
+        <a:xfrm>
+          <a:off x="0" y="0"/>
+          <a:ext cx="0" cy="0"/>
+          <a:chOff x="0" y="0"/>
+          <a:chExt cx="0" cy="0"/>
+        </a:xfrm>
+      </p:grpSpPr>
       <mc:AlternateContent xmlns:mc="http://schemas.openxmlformats.org/markup-compatibility/2006">
         <mc:Choice xmlns:a14="http://schemas.microsoft.com/office/drawing/2010/main" Requires="a14">
           <p:sp>
@@ -2579,6 +3412,11 @@
                   </a:rPr>
                   <a:t>Public capital accumulation is given by: </a:t>
                 </a:r>
+              </a:p>
+              <a:p>
+                <a:pPr marL="0" indent="0">
+                  <a:buNone/>
+                </a:pPr>
                 <a:endParaRPr lang="es-CO" sz="1800" dirty="0">
                   <a:effectLst/>
                   <a:latin typeface="Century Gothic" panose="020B0502020202020204" pitchFamily="34" charset="0"/>
@@ -2820,486 +3658,6 @@
                   <a:cs typeface="Times New Roman" panose="02020603050405020304" pitchFamily="18" charset="0"/>
                 </a:endParaRPr>
               </a:p>
-              <a:p>
-                <a:pPr marL="0" indent="0">
-                  <a:buNone/>
-                </a:pPr>
-                <a:endParaRPr lang="es-CO" sz="1800" dirty="0">
-                  <a:latin typeface="Calibri" panose="020F0502020204030204" pitchFamily="34" charset="0"/>
-                  <a:ea typeface="Calibri" panose="020F0502020204030204" pitchFamily="34" charset="0"/>
-                  <a:cs typeface="Times New Roman" panose="02020603050405020304" pitchFamily="18" charset="0"/>
-                </a:endParaRPr>
-              </a:p>
-              <a:p>
-                <a:r>
-                  <a:rPr lang="es-CO" sz="1800" b="1" dirty="0">
-                    <a:effectLst/>
-                    <a:highlight>
-                      <a:srgbClr val="00FF00"/>
-                    </a:highlight>
-                    <a:latin typeface="Century Gothic" panose="020B0502020202020204" pitchFamily="34" charset="0"/>
-                    <a:ea typeface="Calibri" panose="020F0502020204030204" pitchFamily="34" charset="0"/>
-                    <a:cs typeface="Times New Roman" panose="02020603050405020304" pitchFamily="18" charset="0"/>
-                  </a:rPr>
-                  <a:t>Labour productivity (Draft)</a:t>
-                </a:r>
-              </a:p>
-              <a:p>
-                <a:endParaRPr lang="es-CO" sz="1800" b="1" dirty="0">
-                  <a:solidFill>
-                    <a:srgbClr val="FF0000"/>
-                  </a:solidFill>
-                  <a:latin typeface="Century Gothic" panose="020B0502020202020204" pitchFamily="34" charset="0"/>
-                  <a:ea typeface="Calibri" panose="020F0502020204030204" pitchFamily="34" charset="0"/>
-                  <a:cs typeface="Times New Roman" panose="02020603050405020304" pitchFamily="18" charset="0"/>
-                </a:endParaRPr>
-              </a:p>
-              <a:p>
-                <a:pPr marL="0" indent="0">
-                  <a:buNone/>
-                </a:pPr>
-                <a14:m>
-                  <m:oMathPara xmlns:m="http://schemas.openxmlformats.org/officeDocument/2006/math">
-                    <m:oMathParaPr>
-                      <m:jc m:val="centerGroup"/>
-                    </m:oMathParaPr>
-                    <m:oMath xmlns:m="http://schemas.openxmlformats.org/officeDocument/2006/math">
-                      <m:acc>
-                        <m:accPr>
-                          <m:chr m:val="̇"/>
-                          <m:ctrlPr>
-                            <a:rPr lang="es-CO" sz="1800" b="1" i="1" smtClean="0">
-                              <a:solidFill>
-                                <a:srgbClr val="FF0000"/>
-                              </a:solidFill>
-                              <a:effectLst/>
-                              <a:latin typeface="Cambria Math" panose="02040503050406030204" pitchFamily="18" charset="0"/>
-                              <a:ea typeface="Times New Roman" panose="02020603050405020304" pitchFamily="18" charset="0"/>
-                              <a:cs typeface="Times New Roman" panose="02020603050405020304" pitchFamily="18" charset="0"/>
-                            </a:rPr>
-                          </m:ctrlPr>
-                        </m:accPr>
-                        <m:e>
-                          <m:r>
-                            <a:rPr lang="en-GB" sz="1800" b="1" i="1">
-                              <a:solidFill>
-                                <a:srgbClr val="FF0000"/>
-                              </a:solidFill>
-                              <a:effectLst/>
-                              <a:latin typeface="Cambria Math" panose="02040503050406030204" pitchFamily="18" charset="0"/>
-                              <a:ea typeface="Times New Roman" panose="02020603050405020304" pitchFamily="18" charset="0"/>
-                              <a:cs typeface="Times New Roman" panose="02020603050405020304" pitchFamily="18" charset="0"/>
-                            </a:rPr>
-                            <m:t>𝒂</m:t>
-                          </m:r>
-                        </m:e>
-                      </m:acc>
-                      <m:r>
-                        <a:rPr lang="en-GB" sz="1800" b="1" i="1">
-                          <a:solidFill>
-                            <a:srgbClr val="FF0000"/>
-                          </a:solidFill>
-                          <a:effectLst/>
-                          <a:latin typeface="Cambria Math" panose="02040503050406030204" pitchFamily="18" charset="0"/>
-                          <a:ea typeface="Times New Roman" panose="02020603050405020304" pitchFamily="18" charset="0"/>
-                          <a:cs typeface="Times New Roman" panose="02020603050405020304" pitchFamily="18" charset="0"/>
-                        </a:rPr>
-                        <m:t>=</m:t>
-                      </m:r>
-                      <m:r>
-                        <a:rPr lang="en-GB" sz="1800" b="1" i="1">
-                          <a:solidFill>
-                            <a:srgbClr val="FF0000"/>
-                          </a:solidFill>
-                          <a:effectLst/>
-                          <a:latin typeface="Cambria Math" panose="02040503050406030204" pitchFamily="18" charset="0"/>
-                          <a:ea typeface="Times New Roman" panose="02020603050405020304" pitchFamily="18" charset="0"/>
-                          <a:cs typeface="Times New Roman" panose="02020603050405020304" pitchFamily="18" charset="0"/>
-                        </a:rPr>
-                        <m:t>𝒂</m:t>
-                      </m:r>
-                      <m:r>
-                        <a:rPr lang="en-GB" sz="1800" b="1" i="1">
-                          <a:solidFill>
-                            <a:srgbClr val="FF0000"/>
-                          </a:solidFill>
-                          <a:effectLst/>
-                          <a:latin typeface="Cambria Math" panose="02040503050406030204" pitchFamily="18" charset="0"/>
-                          <a:ea typeface="Calibri" panose="020F0502020204030204" pitchFamily="34" charset="0"/>
-                          <a:cs typeface="Times New Roman" panose="02020603050405020304" pitchFamily="18" charset="0"/>
-                        </a:rPr>
-                        <m:t>⋅</m:t>
-                      </m:r>
-                      <m:d>
-                        <m:dPr>
-                          <m:ctrlPr>
-                            <a:rPr lang="en-GB" sz="1800" b="1" i="1" smtClean="0">
-                              <a:solidFill>
-                                <a:srgbClr val="FF0000"/>
-                              </a:solidFill>
-                              <a:effectLst/>
-                              <a:latin typeface="Cambria Math" panose="02040503050406030204" pitchFamily="18" charset="0"/>
-                              <a:cs typeface="Times New Roman" panose="02020603050405020304" pitchFamily="18" charset="0"/>
-                            </a:rPr>
-                          </m:ctrlPr>
-                        </m:dPr>
-                        <m:e>
-                          <m:r>
-                            <a:rPr lang="es-CO" sz="1800" b="1" i="1" smtClean="0">
-                              <a:solidFill>
-                                <a:srgbClr val="FF0000"/>
-                              </a:solidFill>
-                              <a:effectLst/>
-                              <a:latin typeface="Cambria Math" panose="02040503050406030204" pitchFamily="18" charset="0"/>
-                              <a:cs typeface="Times New Roman" panose="02020603050405020304" pitchFamily="18" charset="0"/>
-                            </a:rPr>
-                            <m:t>𝒇</m:t>
-                          </m:r>
-                          <m:d>
-                            <m:dPr>
-                              <m:ctrlPr>
-                                <a:rPr lang="es-CO" sz="1800" b="1" i="1" smtClean="0">
-                                  <a:solidFill>
-                                    <a:srgbClr val="FF0000"/>
-                                  </a:solidFill>
-                                  <a:effectLst/>
-                                  <a:latin typeface="Cambria Math" panose="02040503050406030204" pitchFamily="18" charset="0"/>
-                                  <a:cs typeface="Times New Roman" panose="02020603050405020304" pitchFamily="18" charset="0"/>
-                                </a:rPr>
-                              </m:ctrlPr>
-                            </m:dPr>
-                            <m:e>
-                              <m:sSub>
-                                <m:sSubPr>
-                                  <m:ctrlPr>
-                                    <a:rPr lang="es-CO" sz="1800" b="1" i="1">
-                                      <a:solidFill>
-                                        <a:srgbClr val="FF0000"/>
-                                      </a:solidFill>
-                                      <a:latin typeface="Cambria Math" panose="02040503050406030204" pitchFamily="18" charset="0"/>
-                                      <a:ea typeface="Calibri" panose="020F0502020204030204" pitchFamily="34" charset="0"/>
-                                      <a:cs typeface="Times New Roman" panose="02020603050405020304" pitchFamily="18" charset="0"/>
-                                    </a:rPr>
-                                  </m:ctrlPr>
-                                </m:sSubPr>
-                                <m:e>
-                                  <m:r>
-                                    <a:rPr lang="en-GB" sz="1800" b="1" i="1">
-                                      <a:solidFill>
-                                        <a:srgbClr val="FF0000"/>
-                                      </a:solidFill>
-                                      <a:latin typeface="Cambria Math" panose="02040503050406030204" pitchFamily="18" charset="0"/>
-                                      <a:ea typeface="Calibri" panose="020F0502020204030204" pitchFamily="34" charset="0"/>
-                                      <a:cs typeface="Times New Roman" panose="02020603050405020304" pitchFamily="18" charset="0"/>
-                                    </a:rPr>
-                                    <m:t>𝜶</m:t>
-                                  </m:r>
-                                </m:e>
-                                <m:sub>
-                                  <m:r>
-                                    <a:rPr lang="es-CO" sz="1800" b="1" i="1" smtClean="0">
-                                      <a:solidFill>
-                                        <a:srgbClr val="FF0000"/>
-                                      </a:solidFill>
-                                      <a:latin typeface="Cambria Math" panose="02040503050406030204" pitchFamily="18" charset="0"/>
-                                      <a:ea typeface="Calibri" panose="020F0502020204030204" pitchFamily="34" charset="0"/>
-                                      <a:cs typeface="Times New Roman" panose="02020603050405020304" pitchFamily="18" charset="0"/>
-                                    </a:rPr>
-                                    <m:t>𝟎</m:t>
-                                  </m:r>
-                                </m:sub>
-                              </m:sSub>
-                              <m:r>
-                                <a:rPr lang="es-CO" sz="1800" b="1" i="1" smtClean="0">
-                                  <a:solidFill>
-                                    <a:srgbClr val="FF0000"/>
-                                  </a:solidFill>
-                                  <a:latin typeface="Cambria Math" panose="02040503050406030204" pitchFamily="18" charset="0"/>
-                                  <a:ea typeface="Calibri" panose="020F0502020204030204" pitchFamily="34" charset="0"/>
-                                  <a:cs typeface="Times New Roman" panose="02020603050405020304" pitchFamily="18" charset="0"/>
-                                </a:rPr>
-                                <m:t>,</m:t>
-                              </m:r>
-                              <m:r>
-                                <m:rPr>
-                                  <m:nor/>
-                                </m:rPr>
-                                <a:rPr lang="es-CO" sz="1800" b="1" i="1" dirty="0">
-                                  <a:solidFill>
-                                    <a:srgbClr val="FF0000"/>
-                                  </a:solidFill>
-                                  <a:latin typeface="Cambria Math" panose="02040503050406030204" pitchFamily="18" charset="0"/>
-                                  <a:ea typeface="Times New Roman" panose="02020603050405020304" pitchFamily="18" charset="0"/>
-                                  <a:cs typeface="Times New Roman" panose="02020603050405020304" pitchFamily="18" charset="0"/>
-                                </a:rPr>
-                                <m:t> </m:t>
-                              </m:r>
-                              <m:acc>
-                                <m:accPr>
-                                  <m:chr m:val="̇"/>
-                                  <m:ctrlPr>
-                                    <a:rPr lang="es-CO" sz="1800" b="1" i="1">
-                                      <a:solidFill>
-                                        <a:srgbClr val="FF0000"/>
-                                      </a:solidFill>
-                                      <a:latin typeface="Cambria Math" panose="02040503050406030204" pitchFamily="18" charset="0"/>
-                                      <a:ea typeface="Times New Roman" panose="02020603050405020304" pitchFamily="18" charset="0"/>
-                                      <a:cs typeface="Times New Roman" panose="02020603050405020304" pitchFamily="18" charset="0"/>
-                                    </a:rPr>
-                                  </m:ctrlPr>
-                                </m:accPr>
-                                <m:e>
-                                  <m:sSub>
-                                    <m:sSubPr>
-                                      <m:ctrlPr>
-                                        <a:rPr lang="es-CO" sz="1800" b="1" i="1">
-                                          <a:solidFill>
-                                            <a:srgbClr val="FF0000"/>
-                                          </a:solidFill>
-                                          <a:latin typeface="Cambria Math" panose="02040503050406030204" pitchFamily="18" charset="0"/>
-                                          <a:ea typeface="Times New Roman" panose="02020603050405020304" pitchFamily="18" charset="0"/>
-                                          <a:cs typeface="Times New Roman" panose="02020603050405020304" pitchFamily="18" charset="0"/>
-                                        </a:rPr>
-                                      </m:ctrlPr>
-                                    </m:sSubPr>
-                                    <m:e>
-                                      <m:r>
-                                        <a:rPr lang="es-CO" sz="1800" b="1" i="1" smtClean="0">
-                                          <a:solidFill>
-                                            <a:srgbClr val="FF0000"/>
-                                          </a:solidFill>
-                                          <a:latin typeface="Cambria Math" panose="02040503050406030204" pitchFamily="18" charset="0"/>
-                                          <a:ea typeface="Times New Roman" panose="02020603050405020304" pitchFamily="18" charset="0"/>
-                                          <a:cs typeface="Times New Roman" panose="02020603050405020304" pitchFamily="18" charset="0"/>
-                                        </a:rPr>
-                                        <m:t>𝒌</m:t>
-                                      </m:r>
-                                    </m:e>
-                                    <m:sub>
-                                      <m:r>
-                                        <a:rPr lang="es-CO" sz="1800" b="1" i="1">
-                                          <a:solidFill>
-                                            <a:srgbClr val="FF0000"/>
-                                          </a:solidFill>
-                                          <a:latin typeface="Cambria Math" panose="02040503050406030204" pitchFamily="18" charset="0"/>
-                                          <a:ea typeface="Times New Roman" panose="02020603050405020304" pitchFamily="18" charset="0"/>
-                                          <a:cs typeface="Times New Roman" panose="02020603050405020304" pitchFamily="18" charset="0"/>
-                                        </a:rPr>
-                                        <m:t>𝑮</m:t>
-                                      </m:r>
-                                    </m:sub>
-                                  </m:sSub>
-                                </m:e>
-                              </m:acc>
-                              <m:r>
-                                <a:rPr lang="es-CO" sz="1800" b="1" i="1" smtClean="0">
-                                  <a:solidFill>
-                                    <a:srgbClr val="FF0000"/>
-                                  </a:solidFill>
-                                  <a:latin typeface="Cambria Math" panose="02040503050406030204" pitchFamily="18" charset="0"/>
-                                  <a:ea typeface="Times New Roman" panose="02020603050405020304" pitchFamily="18" charset="0"/>
-                                  <a:cs typeface="Times New Roman" panose="02020603050405020304" pitchFamily="18" charset="0"/>
-                                </a:rPr>
-                                <m:t>,…</m:t>
-                              </m:r>
-                            </m:e>
-                          </m:d>
-                        </m:e>
-                      </m:d>
-                      <m:r>
-                        <a:rPr lang="es-CO" sz="1800" b="1" i="1" smtClean="0">
-                          <a:solidFill>
-                            <a:srgbClr val="FF0000"/>
-                          </a:solidFill>
-                          <a:effectLst/>
-                          <a:latin typeface="Cambria Math" panose="02040503050406030204" pitchFamily="18" charset="0"/>
-                          <a:cs typeface="Times New Roman" panose="02020603050405020304" pitchFamily="18" charset="0"/>
-                        </a:rPr>
-                        <m:t> </m:t>
-                      </m:r>
-                      <m:r>
-                        <a:rPr lang="es-CO" sz="1800" b="1" i="1" smtClean="0">
-                          <a:solidFill>
-                            <a:srgbClr val="FF0000"/>
-                          </a:solidFill>
-                          <a:effectLst/>
-                          <a:latin typeface="Cambria Math" panose="02040503050406030204" pitchFamily="18" charset="0"/>
-                          <a:cs typeface="Times New Roman" panose="02020603050405020304" pitchFamily="18" charset="0"/>
-                        </a:rPr>
-                        <m:t>𝒘𝒉𝒆𝒓𝒆</m:t>
-                      </m:r>
-                      <m:r>
-                        <a:rPr lang="es-CO" sz="1800" b="1" i="1" smtClean="0">
-                          <a:solidFill>
-                            <a:srgbClr val="FF0000"/>
-                          </a:solidFill>
-                          <a:effectLst/>
-                          <a:latin typeface="Cambria Math" panose="02040503050406030204" pitchFamily="18" charset="0"/>
-                          <a:cs typeface="Times New Roman" panose="02020603050405020304" pitchFamily="18" charset="0"/>
-                        </a:rPr>
-                        <m:t> </m:t>
-                      </m:r>
-                      <m:r>
-                        <a:rPr lang="es-CO" sz="1800" b="1" i="1" smtClean="0">
-                          <a:solidFill>
-                            <a:srgbClr val="FF0000"/>
-                          </a:solidFill>
-                          <a:effectLst/>
-                          <a:latin typeface="Cambria Math" panose="02040503050406030204" pitchFamily="18" charset="0"/>
-                          <a:cs typeface="Times New Roman" panose="02020603050405020304" pitchFamily="18" charset="0"/>
-                        </a:rPr>
-                        <m:t>𝒇</m:t>
-                      </m:r>
-                      <m:d>
-                        <m:dPr>
-                          <m:ctrlPr>
-                            <a:rPr lang="es-CO" sz="1800" b="1" i="1" smtClean="0">
-                              <a:solidFill>
-                                <a:srgbClr val="FF0000"/>
-                              </a:solidFill>
-                              <a:effectLst/>
-                              <a:latin typeface="Cambria Math" panose="02040503050406030204" pitchFamily="18" charset="0"/>
-                              <a:cs typeface="Times New Roman" panose="02020603050405020304" pitchFamily="18" charset="0"/>
-                            </a:rPr>
-                          </m:ctrlPr>
-                        </m:dPr>
-                        <m:e>
-                          <m:r>
-                            <a:rPr lang="en-GB" sz="1800" b="1" i="1">
-                              <a:solidFill>
-                                <a:srgbClr val="FF0000"/>
-                              </a:solidFill>
-                              <a:latin typeface="Cambria Math" panose="02040503050406030204" pitchFamily="18" charset="0"/>
-                              <a:ea typeface="Calibri" panose="020F0502020204030204" pitchFamily="34" charset="0"/>
-                              <a:cs typeface="Times New Roman" panose="02020603050405020304" pitchFamily="18" charset="0"/>
-                            </a:rPr>
-                            <m:t>⋅</m:t>
-                          </m:r>
-                        </m:e>
-                      </m:d>
-                      <m:r>
-                        <a:rPr lang="es-CO" sz="1800" b="1" i="1" smtClean="0">
-                          <a:solidFill>
-                            <a:srgbClr val="FF0000"/>
-                          </a:solidFill>
-                          <a:effectLst/>
-                          <a:latin typeface="Cambria Math" panose="02040503050406030204" pitchFamily="18" charset="0"/>
-                          <a:ea typeface="Calibri" panose="020F0502020204030204" pitchFamily="34" charset="0"/>
-                          <a:cs typeface="Times New Roman" panose="02020603050405020304" pitchFamily="18" charset="0"/>
-                        </a:rPr>
-                        <m:t> </m:t>
-                      </m:r>
-                      <m:r>
-                        <a:rPr lang="es-CO" sz="1800" b="1" i="1" smtClean="0">
-                          <a:solidFill>
-                            <a:srgbClr val="FF0000"/>
-                          </a:solidFill>
-                          <a:effectLst/>
-                          <a:latin typeface="Cambria Math" panose="02040503050406030204" pitchFamily="18" charset="0"/>
-                          <a:ea typeface="Calibri" panose="020F0502020204030204" pitchFamily="34" charset="0"/>
-                          <a:cs typeface="Times New Roman" panose="02020603050405020304" pitchFamily="18" charset="0"/>
-                        </a:rPr>
-                        <m:t>𝒊𝒔</m:t>
-                      </m:r>
-                      <m:r>
-                        <a:rPr lang="es-CO" sz="1800" b="1" i="1" smtClean="0">
-                          <a:solidFill>
-                            <a:srgbClr val="FF0000"/>
-                          </a:solidFill>
-                          <a:effectLst/>
-                          <a:latin typeface="Cambria Math" panose="02040503050406030204" pitchFamily="18" charset="0"/>
-                          <a:ea typeface="Calibri" panose="020F0502020204030204" pitchFamily="34" charset="0"/>
-                          <a:cs typeface="Times New Roman" panose="02020603050405020304" pitchFamily="18" charset="0"/>
-                        </a:rPr>
-                        <m:t> </m:t>
-                      </m:r>
-                      <m:r>
-                        <a:rPr lang="es-CO" sz="1800" b="1" i="1" smtClean="0">
-                          <a:solidFill>
-                            <a:srgbClr val="FF0000"/>
-                          </a:solidFill>
-                          <a:effectLst/>
-                          <a:latin typeface="Cambria Math" panose="02040503050406030204" pitchFamily="18" charset="0"/>
-                          <a:ea typeface="Calibri" panose="020F0502020204030204" pitchFamily="34" charset="0"/>
-                          <a:cs typeface="Times New Roman" panose="02020603050405020304" pitchFamily="18" charset="0"/>
-                        </a:rPr>
-                        <m:t>𝒂</m:t>
-                      </m:r>
-                      <m:r>
-                        <a:rPr lang="es-CO" sz="1800" b="1" i="1" smtClean="0">
-                          <a:solidFill>
-                            <a:srgbClr val="FF0000"/>
-                          </a:solidFill>
-                          <a:effectLst/>
-                          <a:latin typeface="Cambria Math" panose="02040503050406030204" pitchFamily="18" charset="0"/>
-                          <a:ea typeface="Calibri" panose="020F0502020204030204" pitchFamily="34" charset="0"/>
-                          <a:cs typeface="Times New Roman" panose="02020603050405020304" pitchFamily="18" charset="0"/>
-                        </a:rPr>
-                        <m:t> </m:t>
-                      </m:r>
-                      <m:r>
-                        <a:rPr lang="es-CO" sz="1800" b="1" i="1" smtClean="0">
-                          <a:solidFill>
-                            <a:srgbClr val="FF0000"/>
-                          </a:solidFill>
-                          <a:effectLst/>
-                          <a:latin typeface="Cambria Math" panose="02040503050406030204" pitchFamily="18" charset="0"/>
-                          <a:ea typeface="Calibri" panose="020F0502020204030204" pitchFamily="34" charset="0"/>
-                          <a:cs typeface="Times New Roman" panose="02020603050405020304" pitchFamily="18" charset="0"/>
-                        </a:rPr>
-                        <m:t>𝒍𝒊𝒏𝒆𝒂𝒓</m:t>
-                      </m:r>
-                      <m:r>
-                        <a:rPr lang="es-CO" sz="1800" b="1" i="1" smtClean="0">
-                          <a:solidFill>
-                            <a:srgbClr val="FF0000"/>
-                          </a:solidFill>
-                          <a:effectLst/>
-                          <a:latin typeface="Cambria Math" panose="02040503050406030204" pitchFamily="18" charset="0"/>
-                          <a:ea typeface="Calibri" panose="020F0502020204030204" pitchFamily="34" charset="0"/>
-                          <a:cs typeface="Times New Roman" panose="02020603050405020304" pitchFamily="18" charset="0"/>
-                        </a:rPr>
-                        <m:t> </m:t>
-                      </m:r>
-                      <m:r>
-                        <a:rPr lang="es-CO" sz="1800" b="1" i="1" smtClean="0">
-                          <a:solidFill>
-                            <a:srgbClr val="FF0000"/>
-                          </a:solidFill>
-                          <a:effectLst/>
-                          <a:latin typeface="Cambria Math" panose="02040503050406030204" pitchFamily="18" charset="0"/>
-                          <a:ea typeface="Calibri" panose="020F0502020204030204" pitchFamily="34" charset="0"/>
-                          <a:cs typeface="Times New Roman" panose="02020603050405020304" pitchFamily="18" charset="0"/>
-                        </a:rPr>
-                        <m:t>𝒇𝒖𝒏𝒄𝒕𝒊𝒐𝒏</m:t>
-                      </m:r>
-                    </m:oMath>
-                  </m:oMathPara>
-                </a14:m>
-                <a:endParaRPr lang="es-CO" sz="1800" b="1" dirty="0">
-                  <a:solidFill>
-                    <a:srgbClr val="FF0000"/>
-                  </a:solidFill>
-                  <a:effectLst/>
-                  <a:latin typeface="Calibri" panose="020F0502020204030204" pitchFamily="34" charset="0"/>
-                  <a:ea typeface="Calibri" panose="020F0502020204030204" pitchFamily="34" charset="0"/>
-                  <a:cs typeface="Times New Roman" panose="02020603050405020304" pitchFamily="18" charset="0"/>
-                </a:endParaRPr>
-              </a:p>
-              <a:p>
-                <a:pPr marL="0" indent="0">
-                  <a:buNone/>
-                </a:pPr>
-                <a:endParaRPr lang="es-CO" sz="1800" dirty="0">
-                  <a:effectLst/>
-                  <a:highlight>
-                    <a:srgbClr val="00FF00"/>
-                  </a:highlight>
-                  <a:latin typeface="Century Gothic" panose="020B0502020202020204" pitchFamily="34" charset="0"/>
-                  <a:ea typeface="Calibri" panose="020F0502020204030204" pitchFamily="34" charset="0"/>
-                  <a:cs typeface="Times New Roman" panose="02020603050405020304" pitchFamily="18" charset="0"/>
-                </a:endParaRPr>
-              </a:p>
             </p:txBody>
           </p:sp>
         </mc:Choice>
@@ -3328,7 +3686,7 @@
               <a:blipFill>
                 <a:blip r:embed="rId3"/>
                 <a:stretch>
-                  <a:fillRect l="-408" t="-810"/>
+                  <a:fillRect l="-364" t="-336"/>
                 </a:stretch>
               </a:blipFill>
             </p:spPr>
@@ -3398,7 +3756,7 @@
 </p:sld>
 </file>
 
-<file path=ppt/slides/slide11.xml><?xml version="1.0" encoding="utf-8"?>
+<file path=ppt/slides/slide13.xml><?xml version="1.0" encoding="utf-8"?>
 <p:sld xmlns:a="http://schemas.openxmlformats.org/drawingml/2006/main" xmlns:r="http://schemas.openxmlformats.org/officeDocument/2006/relationships" xmlns:p="http://schemas.openxmlformats.org/presentationml/2006/main">
   <p:cSld>
     <p:spTree>
@@ -3636,7 +3994,7 @@
 </p:sld>
 </file>
 
-<file path=ppt/slides/slide12.xml><?xml version="1.0" encoding="utf-8"?>
+<file path=ppt/slides/slide14.xml><?xml version="1.0" encoding="utf-8"?>
 <p:sld xmlns:a="http://schemas.openxmlformats.org/drawingml/2006/main" xmlns:r="http://schemas.openxmlformats.org/officeDocument/2006/relationships" xmlns:p="http://schemas.openxmlformats.org/presentationml/2006/main">
   <p:cSld>
     <p:spTree>
@@ -4024,7 +4382,7 @@
 </p:sld>
 </file>
 
-<file path=ppt/slides/slide13.xml><?xml version="1.0" encoding="utf-8"?>
+<file path=ppt/slides/slide15.xml><?xml version="1.0" encoding="utf-8"?>
 <p:sld xmlns:a="http://schemas.openxmlformats.org/drawingml/2006/main" xmlns:r="http://schemas.openxmlformats.org/officeDocument/2006/relationships" xmlns:p="http://schemas.openxmlformats.org/presentationml/2006/main">
   <p:cSld>
     <p:spTree>
@@ -4764,6 +5122,259 @@
 </p:sld>
 </file>
 
+<file path=ppt/slides/slide16.xml><?xml version="1.0" encoding="utf-8"?>
+<p:sld xmlns:a="http://schemas.openxmlformats.org/drawingml/2006/main" xmlns:r="http://schemas.openxmlformats.org/officeDocument/2006/relationships" xmlns:p="http://schemas.openxmlformats.org/presentationml/2006/main">
+  <p:cSld>
+    <p:spTree>
+      <p:nvGrpSpPr>
+        <p:cNvPr id="1" name=""/>
+        <p:cNvGrpSpPr/>
+        <p:nvPr/>
+      </p:nvGrpSpPr>
+      <p:grpSpPr>
+        <a:xfrm>
+          <a:off x="0" y="0"/>
+          <a:ext cx="0" cy="0"/>
+          <a:chOff x="0" y="0"/>
+          <a:chExt cx="0" cy="0"/>
+        </a:xfrm>
+      </p:grpSpPr>
+      <p:sp>
+        <p:nvSpPr>
+          <p:cNvPr id="2" name="1 Título"/>
+          <p:cNvSpPr>
+            <a:spLocks noGrp="1"/>
+          </p:cNvSpPr>
+          <p:nvPr>
+            <p:ph type="title"/>
+          </p:nvPr>
+        </p:nvSpPr>
+        <p:spPr>
+          <a:xfrm>
+            <a:off x="4175787" y="104081"/>
+            <a:ext cx="7776864" cy="1354162"/>
+          </a:xfrm>
+        </p:spPr>
+        <p:txBody>
+          <a:bodyPr/>
+          <a:lstStyle/>
+          <a:p>
+            <a:r>
+              <a:rPr lang="es-CO" b="1" dirty="0">
+                <a:latin typeface="Century Gothic" panose="020B0502020202020204" pitchFamily="34" charset="0"/>
+              </a:rPr>
+              <a:t>References.</a:t>
+            </a:r>
+          </a:p>
+        </p:txBody>
+      </p:sp>
+      <p:sp>
+        <p:nvSpPr>
+          <p:cNvPr id="3" name="2 Marcador de contenido"/>
+          <p:cNvSpPr>
+            <a:spLocks noGrp="1"/>
+          </p:cNvSpPr>
+          <p:nvPr>
+            <p:ph idx="1"/>
+          </p:nvPr>
+        </p:nvSpPr>
+        <p:spPr>
+          <a:xfrm>
+            <a:off x="421105" y="1215189"/>
+            <a:ext cx="11079076" cy="4662084"/>
+          </a:xfrm>
+        </p:spPr>
+        <p:txBody>
+          <a:bodyPr>
+            <a:normAutofit fontScale="85000" lnSpcReduction="20000"/>
+          </a:bodyPr>
+          <a:lstStyle/>
+          <a:p>
+            <a:pPr marL="0" indent="0" algn="just">
+              <a:buNone/>
+            </a:pPr>
+            <a:endParaRPr lang="es-CO" sz="1800" dirty="0">
+              <a:latin typeface="Century Gothic" panose="020B0502020202020204" pitchFamily="34" charset="0"/>
+            </a:endParaRPr>
+          </a:p>
+          <a:p>
+            <a:pPr marL="0" indent="0" algn="just">
+              <a:buNone/>
+            </a:pPr>
+            <a:endParaRPr lang="es-CO" sz="1800" dirty="0">
+              <a:latin typeface="Century Gothic" panose="020B0502020202020204" pitchFamily="34" charset="0"/>
+            </a:endParaRPr>
+          </a:p>
+          <a:p>
+            <a:pPr marL="0" indent="0" algn="just">
+              <a:buNone/>
+            </a:pPr>
+            <a:r>
+              <a:rPr lang="es-CO" sz="1800" dirty="0">
+                <a:latin typeface="Century Gothic" panose="020B0502020202020204" pitchFamily="34" charset="0"/>
+              </a:rPr>
+              <a:t>Camara-Neto, A. F., &amp; Vernengo, M. (2012). Keynes after Sraffa and Kaldor: Effective Demand, Accumulation and Productivity Growth [Chapters]. Edward Elgar Publishing. </a:t>
+            </a:r>
+            <a:r>
+              <a:rPr lang="es-CO" sz="1800" dirty="0">
+                <a:latin typeface="Century Gothic" panose="020B0502020202020204" pitchFamily="34" charset="0"/>
+                <a:hlinkClick r:id="rId2"/>
+              </a:rPr>
+              <a:t>https://econpapers.repec.org/bookchap/elgeechap/3855_5f10.htm</a:t>
+            </a:r>
+            <a:endParaRPr lang="es-CO" sz="1800" dirty="0">
+              <a:latin typeface="Century Gothic" panose="020B0502020202020204" pitchFamily="34" charset="0"/>
+            </a:endParaRPr>
+          </a:p>
+          <a:p>
+            <a:pPr marL="0" indent="0" algn="just">
+              <a:buNone/>
+            </a:pPr>
+            <a:endParaRPr lang="es-CO" sz="1800" dirty="0">
+              <a:latin typeface="Century Gothic" panose="020B0502020202020204" pitchFamily="34" charset="0"/>
+            </a:endParaRPr>
+          </a:p>
+          <a:p>
+            <a:pPr marL="0" indent="0" algn="just">
+              <a:buNone/>
+            </a:pPr>
+            <a:r>
+              <a:rPr lang="es-CO" sz="1800" dirty="0">
+                <a:latin typeface="Century Gothic" panose="020B0502020202020204" pitchFamily="34" charset="0"/>
+              </a:rPr>
+              <a:t>Dávila-Fernández, M. J. (2020). Alternative approaches to technological change in a small open economy. Journal of Evolutionary Economics, 30(2), 279–317. </a:t>
+            </a:r>
+            <a:r>
+              <a:rPr lang="es-CO" sz="1800" dirty="0">
+                <a:latin typeface="Century Gothic" panose="020B0502020202020204" pitchFamily="34" charset="0"/>
+                <a:hlinkClick r:id="rId3"/>
+              </a:rPr>
+              <a:t>https://doi.org/10.1007/s00191-019-00658-3</a:t>
+            </a:r>
+            <a:endParaRPr lang="es-CO" sz="1800" dirty="0">
+              <a:latin typeface="Century Gothic" panose="020B0502020202020204" pitchFamily="34" charset="0"/>
+            </a:endParaRPr>
+          </a:p>
+          <a:p>
+            <a:pPr marL="0" indent="0" algn="just">
+              <a:buNone/>
+            </a:pPr>
+            <a:endParaRPr lang="es-CO" sz="1800" dirty="0">
+              <a:latin typeface="Century Gothic" panose="020B0502020202020204" pitchFamily="34" charset="0"/>
+            </a:endParaRPr>
+          </a:p>
+          <a:p>
+            <a:pPr marL="0" indent="0" algn="just">
+              <a:buNone/>
+            </a:pPr>
+            <a:r>
+              <a:rPr lang="es-CO" sz="1800" dirty="0">
+                <a:latin typeface="Century Gothic" panose="020B0502020202020204" pitchFamily="34" charset="0"/>
+              </a:rPr>
+              <a:t>Felipe, J., &amp; Kumar, U. (2010). Technical Change in India’s Organized Manufacturing Sector (SSRN Scholarly Paper ID 1691695). Social Science Research Network. </a:t>
+            </a:r>
+            <a:r>
+              <a:rPr lang="es-CO" sz="1800" dirty="0">
+                <a:latin typeface="Century Gothic" panose="020B0502020202020204" pitchFamily="34" charset="0"/>
+                <a:hlinkClick r:id="rId4"/>
+              </a:rPr>
+              <a:t>https://doi.org/10.2139/ssrn.1691695</a:t>
+            </a:r>
+            <a:endParaRPr lang="es-CO" sz="1800" dirty="0">
+              <a:latin typeface="Century Gothic" panose="020B0502020202020204" pitchFamily="34" charset="0"/>
+            </a:endParaRPr>
+          </a:p>
+          <a:p>
+            <a:pPr marL="0" indent="0" algn="just">
+              <a:buNone/>
+            </a:pPr>
+            <a:endParaRPr lang="es-CO" sz="1800" dirty="0">
+              <a:latin typeface="Century Gothic" panose="020B0502020202020204" pitchFamily="34" charset="0"/>
+            </a:endParaRPr>
+          </a:p>
+          <a:p>
+            <a:pPr marL="0" indent="0" algn="just">
+              <a:buNone/>
+            </a:pPr>
+            <a:r>
+              <a:rPr lang="es-CO" sz="1800" dirty="0">
+                <a:latin typeface="Century Gothic" panose="020B0502020202020204" pitchFamily="34" charset="0"/>
+              </a:rPr>
+              <a:t>Kaldor, N. (1966). Marginal Productivity and the Macro-Economic Theories of Distribution: Comment on Samuelson and Modigliani. The Review of Economic Studies, 33(4), 309–319. https://doi.org/10.2307/2974428</a:t>
+            </a:r>
+          </a:p>
+          <a:p>
+            <a:pPr marL="0" indent="0" algn="just">
+              <a:buNone/>
+            </a:pPr>
+            <a:endParaRPr lang="es-CO" sz="1800" dirty="0">
+              <a:latin typeface="Century Gothic" panose="020B0502020202020204" pitchFamily="34" charset="0"/>
+            </a:endParaRPr>
+          </a:p>
+          <a:p>
+            <a:pPr marL="0" indent="0" algn="just">
+              <a:buNone/>
+            </a:pPr>
+            <a:r>
+              <a:rPr lang="es-CO" sz="1800" dirty="0">
+                <a:latin typeface="Century Gothic" panose="020B0502020202020204" pitchFamily="34" charset="0"/>
+              </a:rPr>
+              <a:t>Moreno Rivas, Á. M. (2008, July 4). Las leyes del desarrollo económico endógeno de Kaldor: El caso colombiano. Revista de Economía Institucional. https://revistas.uexternado.edu.co//index.php/ecoins/article/view/70</a:t>
+            </a:r>
+          </a:p>
+          <a:p>
+            <a:pPr marL="0" indent="0" algn="just">
+              <a:buNone/>
+            </a:pPr>
+            <a:r>
+              <a:rPr lang="es-CO" sz="1800" dirty="0">
+                <a:latin typeface="Century Gothic" panose="020B0502020202020204" pitchFamily="34" charset="0"/>
+              </a:rPr>
+              <a:t>Moreno Serna, R., &amp; Pulido, Á. (2012). Tercerización laboral en el sector financiero y evolución salarial en Colombia.</a:t>
+            </a:r>
+          </a:p>
+          <a:p>
+            <a:pPr marL="0" indent="0" algn="just">
+              <a:buNone/>
+            </a:pPr>
+            <a:endParaRPr lang="es-CO" sz="1800" dirty="0">
+              <a:latin typeface="Century Gothic" panose="020B0502020202020204" pitchFamily="34" charset="0"/>
+            </a:endParaRPr>
+          </a:p>
+          <a:p>
+            <a:pPr marL="0" indent="0" algn="just">
+              <a:buNone/>
+            </a:pPr>
+            <a:r>
+              <a:rPr lang="es-CO" sz="1800" dirty="0">
+                <a:latin typeface="Century Gothic" panose="020B0502020202020204" pitchFamily="34" charset="0"/>
+              </a:rPr>
+              <a:t>Ossa, D. (2018). Productividad y distribución del ingreso: Implicaciones sobre el salario mínimo colombiano, 2001-2016 | Revista de Economía Institucional. https://revistas.uexternado.edu.co/index.php/ecoins/article/view/5449</a:t>
+            </a:r>
+          </a:p>
+          <a:p>
+            <a:pPr marL="0" indent="0" algn="just">
+              <a:buNone/>
+            </a:pPr>
+            <a:endParaRPr lang="es-CO" sz="1800" dirty="0">
+              <a:latin typeface="Century Gothic" panose="020B0502020202020204" pitchFamily="34" charset="0"/>
+            </a:endParaRPr>
+          </a:p>
+        </p:txBody>
+      </p:sp>
+    </p:spTree>
+    <p:extLst>
+      <p:ext uri="{BB962C8B-B14F-4D97-AF65-F5344CB8AC3E}">
+        <p14:creationId xmlns:p14="http://schemas.microsoft.com/office/powerpoint/2010/main" val="3718154569"/>
+      </p:ext>
+    </p:extLst>
+  </p:cSld>
+  <p:clrMapOvr>
+    <a:masterClrMapping/>
+  </p:clrMapOvr>
+</p:sld>
+</file>
+
 <file path=ppt/slides/slide2.xml><?xml version="1.0" encoding="utf-8"?>
 <p:sld xmlns:a="http://schemas.openxmlformats.org/drawingml/2006/main" xmlns:r="http://schemas.openxmlformats.org/officeDocument/2006/relationships" xmlns:p="http://schemas.openxmlformats.org/presentationml/2006/main">
   <p:cSld>
@@ -4944,8 +5555,8 @@
           <a:chExt cx="0" cy="0"/>
         </a:xfrm>
       </p:grpSpPr>
-      <mc:AlternateContent xmlns:mc="http://schemas.openxmlformats.org/markup-compatibility/2006" xmlns:a14="http://schemas.microsoft.com/office/drawing/2010/main">
-        <mc:Choice Requires="a14">
+      <mc:AlternateContent xmlns:mc="http://schemas.openxmlformats.org/markup-compatibility/2006">
+        <mc:Choice xmlns:a14="http://schemas.microsoft.com/office/drawing/2010/main" Requires="a14">
           <p:sp>
             <p:nvSpPr>
               <p:cNvPr id="2" name="Marcador de contenido 1">
@@ -4970,7 +5581,7 @@
             </p:spPr>
             <p:txBody>
               <a:bodyPr>
-                <a:normAutofit lnSpcReduction="10000"/>
+                <a:normAutofit/>
               </a:bodyPr>
               <a:lstStyle/>
               <a:p>
@@ -6222,7 +6833,7 @@
             </p:txBody>
           </p:sp>
         </mc:Choice>
-        <mc:Fallback xmlns="">
+        <mc:Fallback>
           <p:sp>
             <p:nvSpPr>
               <p:cNvPr id="2" name="Marcador de contenido 1">
@@ -6247,7 +6858,7 @@
               <a:blipFill>
                 <a:blip r:embed="rId2"/>
                 <a:stretch>
-                  <a:fillRect l="-524" t="-1993"/>
+                  <a:fillRect l="-485" t="-1128"/>
                 </a:stretch>
               </a:blipFill>
             </p:spPr>
@@ -6334,8 +6945,8 @@
           <a:chExt cx="0" cy="0"/>
         </a:xfrm>
       </p:grpSpPr>
-      <mc:AlternateContent xmlns:mc="http://schemas.openxmlformats.org/markup-compatibility/2006">
-        <mc:Choice xmlns:a14="http://schemas.microsoft.com/office/drawing/2010/main" Requires="a14">
+      <mc:AlternateContent xmlns:mc="http://schemas.openxmlformats.org/markup-compatibility/2006" xmlns:a14="http://schemas.microsoft.com/office/drawing/2010/main">
+        <mc:Choice Requires="a14">
           <p:sp>
             <p:nvSpPr>
               <p:cNvPr id="2" name="Marcador de contenido 1">
@@ -7356,7 +7967,7 @@
             </p:txBody>
           </p:sp>
         </mc:Choice>
-        <mc:Fallback>
+        <mc:Fallback xmlns="">
           <p:sp>
             <p:nvSpPr>
               <p:cNvPr id="2" name="Marcador de contenido 1">
@@ -11435,8 +12046,8 @@
           <a:chExt cx="0" cy="0"/>
         </a:xfrm>
       </p:grpSpPr>
-      <mc:AlternateContent xmlns:mc="http://schemas.openxmlformats.org/markup-compatibility/2006">
-        <mc:Choice xmlns:a14="http://schemas.microsoft.com/office/drawing/2010/main" Requires="a14">
+      <mc:AlternateContent xmlns:mc="http://schemas.openxmlformats.org/markup-compatibility/2006" xmlns:a14="http://schemas.microsoft.com/office/drawing/2010/main">
+        <mc:Choice Requires="a14">
           <p:sp>
             <p:nvSpPr>
               <p:cNvPr id="2" name="Marcador de contenido 1">
@@ -11661,7 +12272,7 @@
             </p:txBody>
           </p:sp>
         </mc:Choice>
-        <mc:Fallback>
+        <mc:Fallback xmlns="">
           <p:sp>
             <p:nvSpPr>
               <p:cNvPr id="2" name="Marcador de contenido 1">
@@ -11773,8 +12384,8 @@
           <a:chExt cx="0" cy="0"/>
         </a:xfrm>
       </p:grpSpPr>
-      <mc:AlternateContent xmlns:mc="http://schemas.openxmlformats.org/markup-compatibility/2006">
-        <mc:Choice xmlns:a14="http://schemas.microsoft.com/office/drawing/2010/main" Requires="a14">
+      <mc:AlternateContent xmlns:mc="http://schemas.openxmlformats.org/markup-compatibility/2006" xmlns:a14="http://schemas.microsoft.com/office/drawing/2010/main">
+        <mc:Choice Requires="a14">
           <p:sp>
             <p:nvSpPr>
               <p:cNvPr id="2" name="Marcador de contenido 1">
@@ -13356,7 +13967,7 @@
             </p:txBody>
           </p:sp>
         </mc:Choice>
-        <mc:Fallback>
+        <mc:Fallback xmlns="">
           <p:sp>
             <p:nvSpPr>
               <p:cNvPr id="2" name="Marcador de contenido 1">

--- a/Documentos/Presentación 23 de Noviembre de 2020.pptx
+++ b/Documentos/Presentación 23 de Noviembre de 2020.pptx
@@ -209,7 +209,7 @@
           <a:p>
             <a:fld id="{D42B63A8-CA22-F249-8B11-75777F973014}" type="datetimeFigureOut">
               <a:rPr lang="es-ES_tradnl" smtClean="0"/>
-              <a:t>23/11/2020</a:t>
+              <a:t>24/11/2020</a:t>
             </a:fld>
             <a:endParaRPr lang="es-ES_tradnl"/>
           </a:p>
@@ -1916,7 +1916,7 @@
           <a:p>
             <a:fld id="{6C5AE33D-32CE-4125-A2FD-63556E695E13}" type="datetimeFigureOut">
               <a:rPr lang="es-CO" smtClean="0"/>
-              <a:t>23/11/2020</a:t>
+              <a:t>24/11/2020</a:t>
             </a:fld>
             <a:endParaRPr lang="es-CO"/>
           </a:p>
@@ -2541,8 +2541,8 @@
           <a:chExt cx="0" cy="0"/>
         </a:xfrm>
       </p:grpSpPr>
-      <mc:AlternateContent xmlns:mc="http://schemas.openxmlformats.org/markup-compatibility/2006">
-        <mc:Choice xmlns:a14="http://schemas.microsoft.com/office/drawing/2010/main" Requires="a14">
+      <mc:AlternateContent xmlns:mc="http://schemas.openxmlformats.org/markup-compatibility/2006" xmlns:a14="http://schemas.microsoft.com/office/drawing/2010/main">
+        <mc:Choice Requires="a14">
           <p:sp>
             <p:nvSpPr>
               <p:cNvPr id="2" name="Marcador de contenido 1">
@@ -3303,7 +3303,7 @@
             </p:txBody>
           </p:sp>
         </mc:Choice>
-        <mc:Fallback>
+        <mc:Fallback xmlns="">
           <p:sp>
             <p:nvSpPr>
               <p:cNvPr id="2" name="Marcador de contenido 1">
@@ -4746,7 +4746,7 @@
                 </a:solidFill>
                 <a:latin typeface="Century Gothic" panose="020B0502020202020204" pitchFamily="34" charset="0"/>
               </a:rPr>
-              <a:t>Greater CBL rationing </a:t>
+              <a:t>Greater CBL rationing. </a:t>
             </a:r>
           </a:p>
         </p:txBody>
@@ -6334,8 +6334,8 @@
           <a:chExt cx="0" cy="0"/>
         </a:xfrm>
       </p:grpSpPr>
-      <mc:AlternateContent xmlns:mc="http://schemas.openxmlformats.org/markup-compatibility/2006">
-        <mc:Choice xmlns:a14="http://schemas.microsoft.com/office/drawing/2010/main" Requires="a14">
+      <mc:AlternateContent xmlns:mc="http://schemas.openxmlformats.org/markup-compatibility/2006" xmlns:a14="http://schemas.microsoft.com/office/drawing/2010/main">
+        <mc:Choice Requires="a14">
           <p:sp>
             <p:nvSpPr>
               <p:cNvPr id="2" name="Marcador de contenido 1">
@@ -7356,7 +7356,7 @@
             </p:txBody>
           </p:sp>
         </mc:Choice>
-        <mc:Fallback>
+        <mc:Fallback xmlns="">
           <p:sp>
             <p:nvSpPr>
               <p:cNvPr id="2" name="Marcador de contenido 1">
@@ -11435,8 +11435,8 @@
           <a:chExt cx="0" cy="0"/>
         </a:xfrm>
       </p:grpSpPr>
-      <mc:AlternateContent xmlns:mc="http://schemas.openxmlformats.org/markup-compatibility/2006">
-        <mc:Choice xmlns:a14="http://schemas.microsoft.com/office/drawing/2010/main" Requires="a14">
+      <mc:AlternateContent xmlns:mc="http://schemas.openxmlformats.org/markup-compatibility/2006" xmlns:a14="http://schemas.microsoft.com/office/drawing/2010/main">
+        <mc:Choice Requires="a14">
           <p:sp>
             <p:nvSpPr>
               <p:cNvPr id="2" name="Marcador de contenido 1">
@@ -11661,7 +11661,7 @@
             </p:txBody>
           </p:sp>
         </mc:Choice>
-        <mc:Fallback>
+        <mc:Fallback xmlns="">
           <p:sp>
             <p:nvSpPr>
               <p:cNvPr id="2" name="Marcador de contenido 1">
@@ -11773,8 +11773,8 @@
           <a:chExt cx="0" cy="0"/>
         </a:xfrm>
       </p:grpSpPr>
-      <mc:AlternateContent xmlns:mc="http://schemas.openxmlformats.org/markup-compatibility/2006">
-        <mc:Choice xmlns:a14="http://schemas.microsoft.com/office/drawing/2010/main" Requires="a14">
+      <mc:AlternateContent xmlns:mc="http://schemas.openxmlformats.org/markup-compatibility/2006" xmlns:a14="http://schemas.microsoft.com/office/drawing/2010/main">
+        <mc:Choice Requires="a14">
           <p:sp>
             <p:nvSpPr>
               <p:cNvPr id="2" name="Marcador de contenido 1">
@@ -13356,7 +13356,7 @@
             </p:txBody>
           </p:sp>
         </mc:Choice>
-        <mc:Fallback>
+        <mc:Fallback xmlns="">
           <p:sp>
             <p:nvSpPr>
               <p:cNvPr id="2" name="Marcador de contenido 1">
